--- a/k4-stokku.pptx
+++ b/k4-stokku.pptx
@@ -5,7 +5,7 @@
     <p:sldMasterId id="2147483658" r:id="rId1"/>
   </p:sldMasterIdLst>
   <p:notesMasterIdLst>
-    <p:notesMasterId r:id="rId12"/>
+    <p:notesMasterId r:id="rId11"/>
   </p:notesMasterIdLst>
   <p:sldIdLst>
     <p:sldId id="279" r:id="rId2"/>
@@ -17,35 +17,27 @@
     <p:sldId id="284" r:id="rId8"/>
     <p:sldId id="267" r:id="rId9"/>
     <p:sldId id="268" r:id="rId10"/>
-    <p:sldId id="277" r:id="rId11"/>
   </p:sldIdLst>
   <p:sldSz cx="9144000" cy="5143500" type="screen16x9"/>
   <p:notesSz cx="6858000" cy="9144000"/>
   <p:embeddedFontLst>
     <p:embeddedFont>
-      <p:font typeface="Nunito Sans" panose="020B0604020202020204" charset="0"/>
+      <p:font typeface="Lexend Deca" panose="020B0604020202020204" charset="0"/>
+      <p:regular r:id="rId12"/>
+    </p:embeddedFont>
+    <p:embeddedFont>
+      <p:font typeface="Nunito Sans" pitchFamily="2" charset="0"/>
       <p:regular r:id="rId13"/>
       <p:bold r:id="rId14"/>
       <p:italic r:id="rId15"/>
       <p:boldItalic r:id="rId16"/>
     </p:embeddedFont>
     <p:embeddedFont>
-      <p:font typeface="Calibri" panose="020F0502020204030204" pitchFamily="34" charset="0"/>
+      <p:font typeface="Nunito Sans Light" pitchFamily="2" charset="0"/>
       <p:regular r:id="rId17"/>
       <p:bold r:id="rId18"/>
       <p:italic r:id="rId19"/>
       <p:boldItalic r:id="rId20"/>
-    </p:embeddedFont>
-    <p:embeddedFont>
-      <p:font typeface="Lexend Deca" panose="020B0604020202020204" charset="0"/>
-      <p:regular r:id="rId21"/>
-    </p:embeddedFont>
-    <p:embeddedFont>
-      <p:font typeface="Nunito Sans Light" panose="020B0604020202020204" charset="0"/>
-      <p:regular r:id="rId22"/>
-      <p:bold r:id="rId23"/>
-      <p:italic r:id="rId24"/>
-      <p:boldItalic r:id="rId25"/>
     </p:embeddedFont>
   </p:embeddedFontLst>
   <p:defaultTextStyle>
@@ -1219,110 +1211,6 @@
       <p:sp>
         <p:nvSpPr>
           <p:cNvPr id="207" name="Google Shape;207;g35f391192_085:notes"/>
-          <p:cNvSpPr txBox="1">
-            <a:spLocks noGrp="1"/>
-          </p:cNvSpPr>
-          <p:nvPr>
-            <p:ph type="body" idx="1"/>
-          </p:nvPr>
-        </p:nvSpPr>
-        <p:spPr>
-          <a:xfrm>
-            <a:off x="685800" y="4343400"/>
-            <a:ext cx="5486400" cy="4114800"/>
-          </a:xfrm>
-          <a:prstGeom prst="rect">
-            <a:avLst/>
-          </a:prstGeom>
-        </p:spPr>
-        <p:txBody>
-          <a:bodyPr spcFirstLastPara="1" wrap="square" lIns="91425" tIns="91425" rIns="91425" bIns="91425" anchor="t" anchorCtr="0">
-            <a:noAutofit/>
-          </a:bodyPr>
-          <a:lstStyle/>
-          <a:p>
-            <a:pPr marL="0" lvl="0" indent="0" algn="l" rtl="0">
-              <a:spcBef>
-                <a:spcPts val="0"/>
-              </a:spcBef>
-              <a:spcAft>
-                <a:spcPts val="0"/>
-              </a:spcAft>
-              <a:buNone/>
-            </a:pPr>
-            <a:endParaRPr/>
-          </a:p>
-        </p:txBody>
-      </p:sp>
-    </p:spTree>
-  </p:cSld>
-  <p:clrMapOvr>
-    <a:masterClrMapping/>
-  </p:clrMapOvr>
-</p:notes>
-</file>
-
-<file path=ppt/notesSlides/notesSlide6.xml><?xml version="1.0" encoding="utf-8"?>
-<p:notes xmlns:a="http://schemas.openxmlformats.org/drawingml/2006/main" xmlns:r="http://schemas.openxmlformats.org/officeDocument/2006/relationships" xmlns:p="http://schemas.openxmlformats.org/presentationml/2006/main" showMasterSp="0" showMasterPhAnim="0">
-  <p:cSld>
-    <p:spTree>
-      <p:nvGrpSpPr>
-        <p:cNvPr id="1" name="Shape 315"/>
-        <p:cNvGrpSpPr/>
-        <p:nvPr/>
-      </p:nvGrpSpPr>
-      <p:grpSpPr>
-        <a:xfrm>
-          <a:off x="0" y="0"/>
-          <a:ext cx="0" cy="0"/>
-          <a:chOff x="0" y="0"/>
-          <a:chExt cx="0" cy="0"/>
-        </a:xfrm>
-      </p:grpSpPr>
-      <p:sp>
-        <p:nvSpPr>
-          <p:cNvPr id="316" name="Google Shape;316;g35ed75ccf_0113:notes"/>
-          <p:cNvSpPr>
-            <a:spLocks noGrp="1" noRot="1" noChangeAspect="1"/>
-          </p:cNvSpPr>
-          <p:nvPr>
-            <p:ph type="sldImg" idx="2"/>
-          </p:nvPr>
-        </p:nvSpPr>
-        <p:spPr>
-          <a:xfrm>
-            <a:off x="381000" y="685800"/>
-            <a:ext cx="6096000" cy="3429000"/>
-          </a:xfrm>
-          <a:custGeom>
-            <a:avLst/>
-            <a:gdLst/>
-            <a:ahLst/>
-            <a:cxnLst/>
-            <a:rect l="l" t="t" r="r" b="b"/>
-            <a:pathLst>
-              <a:path w="120000" h="120000" extrusionOk="0">
-                <a:moveTo>
-                  <a:pt x="0" y="0"/>
-                </a:moveTo>
-                <a:lnTo>
-                  <a:pt x="120000" y="0"/>
-                </a:lnTo>
-                <a:lnTo>
-                  <a:pt x="120000" y="120000"/>
-                </a:lnTo>
-                <a:lnTo>
-                  <a:pt x="0" y="120000"/>
-                </a:lnTo>
-                <a:close/>
-              </a:path>
-            </a:pathLst>
-          </a:custGeom>
-        </p:spPr>
-      </p:sp>
-      <p:sp>
-        <p:nvSpPr>
-          <p:cNvPr id="317" name="Google Shape;317;g35ed75ccf_0113:notes"/>
           <p:cNvSpPr txBox="1">
             <a:spLocks noGrp="1"/>
           </p:cNvSpPr>
@@ -4100,11 +3988,7 @@
             </a:pPr>
             <a:r>
               <a:rPr lang="en" dirty="0"/>
-              <a:t>Tim K4 </a:t>
-            </a:r>
-            <a:r>
-              <a:rPr lang="en" dirty="0" smtClean="0"/>
-              <a:t>STOKKU</a:t>
+              <a:t>Tim K4 STOKKU</a:t>
             </a:r>
             <a:endParaRPr dirty="0"/>
           </a:p>
@@ -4205,19 +4089,7 @@
                 <a:cs typeface="Nunito Sans"/>
                 <a:sym typeface="Nunito Sans"/>
               </a:rPr>
-              <a:t>Fernando </a:t>
-            </a:r>
-            <a:r>
-              <a:rPr lang="en" sz="1200" b="1" dirty="0" smtClean="0">
-                <a:solidFill>
-                  <a:schemeClr val="dk1"/>
-                </a:solidFill>
-                <a:latin typeface="Nunito Sans"/>
-                <a:ea typeface="Nunito Sans"/>
-                <a:cs typeface="Nunito Sans"/>
-                <a:sym typeface="Nunito Sans"/>
-              </a:rPr>
-              <a:t>Fanjaya</a:t>
+              <a:t>Fernando Fanjaya</a:t>
             </a:r>
             <a:endParaRPr sz="800" dirty="0">
               <a:solidFill>
@@ -4240,7 +4112,7 @@
               <a:buNone/>
             </a:pPr>
             <a:r>
-              <a:rPr lang="en-GB" sz="900" dirty="0" err="1" smtClean="0">
+              <a:rPr lang="en-GB" sz="900" dirty="0" err="1">
                 <a:solidFill>
                   <a:schemeClr val="dk2"/>
                 </a:solidFill>
@@ -4252,7 +4124,7 @@
               <a:t>Fullstack</a:t>
             </a:r>
             <a:r>
-              <a:rPr lang="en-GB" sz="900" dirty="0" smtClean="0">
+              <a:rPr lang="en-GB" sz="900" dirty="0">
                 <a:solidFill>
                   <a:schemeClr val="dk2"/>
                 </a:solidFill>
@@ -4275,7 +4147,7 @@
               <a:buNone/>
             </a:pPr>
             <a:r>
-              <a:rPr lang="en-GB" sz="900" dirty="0" smtClean="0">
+              <a:rPr lang="en-GB" sz="900" dirty="0">
                 <a:solidFill>
                   <a:schemeClr val="dk2"/>
                 </a:solidFill>
@@ -4347,7 +4219,7 @@
               <a:buNone/>
             </a:pPr>
             <a:r>
-              <a:rPr lang="en" sz="1200" b="1" dirty="0" smtClean="0">
+              <a:rPr lang="en" sz="1200" b="1" dirty="0">
                 <a:solidFill>
                   <a:schemeClr val="dk1"/>
                 </a:solidFill>
@@ -4358,15 +4230,6 @@
               </a:rPr>
               <a:t>Rendy Alexander</a:t>
             </a:r>
-            <a:r>
-              <a:rPr lang="en" dirty="0">
-                <a:latin typeface="Nunito Sans"/>
-                <a:ea typeface="Nunito Sans"/>
-                <a:cs typeface="Nunito Sans"/>
-                <a:sym typeface="Nunito Sans"/>
-              </a:rPr>
-              <a:t/>
-            </a:r>
             <a:br>
               <a:rPr lang="en" dirty="0">
                 <a:latin typeface="Nunito Sans"/>
@@ -4376,7 +4239,7 @@
               </a:rPr>
             </a:br>
             <a:r>
-              <a:rPr lang="en-GB" sz="900" dirty="0" smtClean="0">
+              <a:rPr lang="en-GB" sz="900" dirty="0">
                 <a:solidFill>
                   <a:schemeClr val="dk2"/>
                 </a:solidFill>
@@ -4448,7 +4311,7 @@
               <a:buNone/>
             </a:pPr>
             <a:r>
-              <a:rPr lang="en" sz="1200" b="1" dirty="0" smtClean="0">
+              <a:rPr lang="en" sz="1200" b="1" dirty="0">
                 <a:solidFill>
                   <a:schemeClr val="dk1"/>
                 </a:solidFill>
@@ -4459,15 +4322,6 @@
               </a:rPr>
               <a:t>Tri Satria</a:t>
             </a:r>
-            <a:r>
-              <a:rPr lang="en" dirty="0">
-                <a:latin typeface="Nunito Sans"/>
-                <a:ea typeface="Nunito Sans"/>
-                <a:cs typeface="Nunito Sans"/>
-                <a:sym typeface="Nunito Sans"/>
-              </a:rPr>
-              <a:t/>
-            </a:r>
             <a:br>
               <a:rPr lang="en" dirty="0">
                 <a:latin typeface="Nunito Sans"/>
@@ -4477,7 +4331,7 @@
               </a:rPr>
             </a:br>
             <a:r>
-              <a:rPr lang="en-GB" sz="900" dirty="0" smtClean="0">
+              <a:rPr lang="en-GB" sz="900" dirty="0">
                 <a:solidFill>
                   <a:schemeClr val="dk2"/>
                 </a:solidFill>
@@ -4489,7 +4343,7 @@
               <a:t>Back End </a:t>
             </a:r>
             <a:r>
-              <a:rPr lang="en-GB" sz="900" dirty="0" err="1" smtClean="0">
+              <a:rPr lang="en-GB" sz="900" dirty="0" err="1">
                 <a:solidFill>
                   <a:schemeClr val="dk2"/>
                 </a:solidFill>
@@ -4501,7 +4355,7 @@
               <a:t>Develepment</a:t>
             </a:r>
             <a:r>
-              <a:rPr lang="en-GB" sz="900" dirty="0" smtClean="0">
+              <a:rPr lang="en-GB" sz="900" dirty="0">
                 <a:solidFill>
                   <a:schemeClr val="dk2"/>
                 </a:solidFill>
@@ -4513,7 +4367,7 @@
               <a:t> &amp; Database </a:t>
             </a:r>
             <a:r>
-              <a:rPr lang="en-GB" sz="900" dirty="0" err="1" smtClean="0">
+              <a:rPr lang="en-GB" sz="900" dirty="0" err="1">
                 <a:solidFill>
                   <a:schemeClr val="dk2"/>
                 </a:solidFill>
@@ -4577,7 +4431,7 @@
           <a:p>
             <a:pPr lvl="1" algn="ctr"/>
             <a:r>
-              <a:rPr lang="en" sz="1200" b="1" dirty="0" smtClean="0">
+              <a:rPr lang="en" sz="1200" b="1" dirty="0">
                 <a:solidFill>
                   <a:schemeClr val="dk1"/>
                 </a:solidFill>
@@ -4588,17 +4442,8 @@
               </a:rPr>
               <a:t>Steven Jeryo</a:t>
             </a:r>
-            <a:r>
-              <a:rPr lang="en" dirty="0" smtClean="0">
-                <a:latin typeface="Nunito Sans"/>
-                <a:ea typeface="Nunito Sans"/>
-                <a:cs typeface="Nunito Sans"/>
-                <a:sym typeface="Nunito Sans"/>
-              </a:rPr>
-              <a:t/>
-            </a:r>
             <a:br>
-              <a:rPr lang="en" dirty="0" smtClean="0">
+              <a:rPr lang="en" dirty="0">
                 <a:latin typeface="Nunito Sans"/>
                 <a:ea typeface="Nunito Sans"/>
                 <a:cs typeface="Nunito Sans"/>
@@ -4606,7 +4451,7 @@
               </a:rPr>
             </a:br>
             <a:r>
-              <a:rPr lang="en-GB" sz="900" dirty="0" smtClean="0">
+              <a:rPr lang="en-GB" sz="900" dirty="0">
                 <a:solidFill>
                   <a:schemeClr val="dk2"/>
                 </a:solidFill>
@@ -4653,584 +4498,6 @@
   <p:clrMapOvr>
     <a:masterClrMapping/>
   </p:clrMapOvr>
-  <p:timing>
-    <p:tnLst>
-      <p:par>
-        <p:cTn id="1" dur="indefinite" restart="never" nodeType="tmRoot"/>
-      </p:par>
-    </p:tnLst>
-  </p:timing>
-</p:sld>
-</file>
-
-<file path=ppt/slides/slide10.xml><?xml version="1.0" encoding="utf-8"?>
-<p:sld xmlns:a="http://schemas.openxmlformats.org/drawingml/2006/main" xmlns:r="http://schemas.openxmlformats.org/officeDocument/2006/relationships" xmlns:p="http://schemas.openxmlformats.org/presentationml/2006/main">
-  <p:cSld>
-    <p:bg>
-      <p:bgPr>
-        <a:solidFill>
-          <a:schemeClr val="dk1"/>
-        </a:solidFill>
-        <a:effectLst/>
-      </p:bgPr>
-    </p:bg>
-    <p:spTree>
-      <p:nvGrpSpPr>
-        <p:cNvPr id="1" name="Shape 318"/>
-        <p:cNvGrpSpPr/>
-        <p:nvPr/>
-      </p:nvGrpSpPr>
-      <p:grpSpPr>
-        <a:xfrm>
-          <a:off x="0" y="0"/>
-          <a:ext cx="0" cy="0"/>
-          <a:chOff x="0" y="0"/>
-          <a:chExt cx="0" cy="0"/>
-        </a:xfrm>
-      </p:grpSpPr>
-      <p:sp>
-        <p:nvSpPr>
-          <p:cNvPr id="319" name="Google Shape;319;p33"/>
-          <p:cNvSpPr txBox="1">
-            <a:spLocks noGrp="1"/>
-          </p:cNvSpPr>
-          <p:nvPr>
-            <p:ph type="sldNum" idx="12"/>
-          </p:nvPr>
-        </p:nvSpPr>
-        <p:spPr>
-          <a:xfrm>
-            <a:off x="8833200" y="2262825"/>
-            <a:ext cx="310800" cy="609600"/>
-          </a:xfrm>
-          <a:prstGeom prst="rect">
-            <a:avLst/>
-          </a:prstGeom>
-        </p:spPr>
-        <p:txBody>
-          <a:bodyPr spcFirstLastPara="1" wrap="square" lIns="0" tIns="0" rIns="0" bIns="0" anchor="ctr" anchorCtr="0">
-            <a:noAutofit/>
-          </a:bodyPr>
-          <a:lstStyle/>
-          <a:p>
-            <a:pPr marL="0" lvl="0" indent="0" algn="ctr" rtl="0">
-              <a:spcBef>
-                <a:spcPts val="0"/>
-              </a:spcBef>
-              <a:spcAft>
-                <a:spcPts val="0"/>
-              </a:spcAft>
-              <a:buNone/>
-            </a:pPr>
-            <a:fld id="{00000000-1234-1234-1234-123412341234}" type="slidenum">
-              <a:rPr lang="en"/>
-              <a:pPr marL="0" lvl="0" indent="0" algn="ctr" rtl="0">
-                <a:spcBef>
-                  <a:spcPts val="0"/>
-                </a:spcBef>
-                <a:spcAft>
-                  <a:spcPts val="0"/>
-                </a:spcAft>
-                <a:buNone/>
-              </a:pPr>
-              <a:t>10</a:t>
-            </a:fld>
-            <a:endParaRPr/>
-          </a:p>
-        </p:txBody>
-      </p:sp>
-      <p:grpSp>
-        <p:nvGrpSpPr>
-          <p:cNvPr id="320" name="Google Shape;320;p33"/>
-          <p:cNvGrpSpPr/>
-          <p:nvPr/>
-        </p:nvGrpSpPr>
-        <p:grpSpPr>
-          <a:xfrm>
-            <a:off x="3709774" y="1241129"/>
-            <a:ext cx="4542205" cy="2661224"/>
-            <a:chOff x="1177450" y="241631"/>
-            <a:chExt cx="6173152" cy="3616776"/>
-          </a:xfrm>
-        </p:grpSpPr>
-        <p:sp>
-          <p:nvSpPr>
-            <p:cNvPr id="321" name="Google Shape;321;p33"/>
-            <p:cNvSpPr/>
-            <p:nvPr/>
-          </p:nvSpPr>
-          <p:spPr>
-            <a:xfrm>
-              <a:off x="1682275" y="241631"/>
-              <a:ext cx="5161606" cy="3454973"/>
-            </a:xfrm>
-            <a:custGeom>
-              <a:avLst/>
-              <a:gdLst/>
-              <a:ahLst/>
-              <a:cxnLst/>
-              <a:rect l="l" t="t" r="r" b="b"/>
-              <a:pathLst>
-                <a:path w="5161606" h="3454973" extrusionOk="0">
-                  <a:moveTo>
-                    <a:pt x="4992053" y="0"/>
-                  </a:moveTo>
-                  <a:lnTo>
-                    <a:pt x="170498" y="0"/>
-                  </a:lnTo>
-                  <a:cubicBezTo>
-                    <a:pt x="76200" y="0"/>
-                    <a:pt x="0" y="76143"/>
-                    <a:pt x="0" y="170369"/>
-                  </a:cubicBezTo>
-                  <a:lnTo>
-                    <a:pt x="0" y="3396915"/>
-                  </a:lnTo>
-                  <a:cubicBezTo>
-                    <a:pt x="0" y="3429275"/>
-                    <a:pt x="26670" y="3454973"/>
-                    <a:pt x="58102" y="3454973"/>
-                  </a:cubicBezTo>
-                  <a:lnTo>
-                    <a:pt x="5103495" y="3454973"/>
-                  </a:lnTo>
-                  <a:cubicBezTo>
-                    <a:pt x="5135880" y="3454973"/>
-                    <a:pt x="5161598" y="3428324"/>
-                    <a:pt x="5161598" y="3396915"/>
-                  </a:cubicBezTo>
-                  <a:lnTo>
-                    <a:pt x="5161598" y="170369"/>
-                  </a:lnTo>
-                  <a:cubicBezTo>
-                    <a:pt x="5162550" y="76143"/>
-                    <a:pt x="5086350" y="0"/>
-                    <a:pt x="4992053" y="0"/>
-                  </a:cubicBezTo>
-                  <a:close/>
-                  <a:moveTo>
-                    <a:pt x="4981575" y="3245581"/>
-                  </a:moveTo>
-                  <a:lnTo>
-                    <a:pt x="190500" y="3245581"/>
-                  </a:lnTo>
-                  <a:lnTo>
-                    <a:pt x="190500" y="199874"/>
-                  </a:lnTo>
-                  <a:lnTo>
-                    <a:pt x="4981575" y="199874"/>
-                  </a:lnTo>
-                  <a:lnTo>
-                    <a:pt x="4981575" y="3245581"/>
-                  </a:lnTo>
-                  <a:close/>
-                </a:path>
-              </a:pathLst>
-            </a:custGeom>
-            <a:solidFill>
-              <a:schemeClr val="dk1"/>
-            </a:solidFill>
-            <a:ln w="19050" cap="flat" cmpd="sng">
-              <a:solidFill>
-                <a:schemeClr val="accent1"/>
-              </a:solidFill>
-              <a:prstDash val="solid"/>
-              <a:round/>
-              <a:headEnd type="none" w="sm" len="sm"/>
-              <a:tailEnd type="none" w="sm" len="sm"/>
-            </a:ln>
-          </p:spPr>
-          <p:txBody>
-            <a:bodyPr spcFirstLastPara="1" wrap="square" lIns="91425" tIns="45700" rIns="91425" bIns="45700" anchor="ctr" anchorCtr="0">
-              <a:noAutofit/>
-            </a:bodyPr>
-            <a:lstStyle/>
-            <a:p>
-              <a:pPr marL="0" marR="0" lvl="0" indent="0" algn="l" rtl="0">
-                <a:spcBef>
-                  <a:spcPts val="0"/>
-                </a:spcBef>
-                <a:spcAft>
-                  <a:spcPts val="0"/>
-                </a:spcAft>
-                <a:buNone/>
-              </a:pPr>
-              <a:endParaRPr sz="1800">
-                <a:solidFill>
-                  <a:srgbClr val="000000"/>
-                </a:solidFill>
-                <a:latin typeface="Calibri"/>
-                <a:ea typeface="Calibri"/>
-                <a:cs typeface="Calibri"/>
-                <a:sym typeface="Calibri"/>
-              </a:endParaRPr>
-            </a:p>
-          </p:txBody>
-        </p:sp>
-        <p:sp>
-          <p:nvSpPr>
-            <p:cNvPr id="322" name="Google Shape;322;p33"/>
-            <p:cNvSpPr/>
-            <p:nvPr/>
-          </p:nvSpPr>
-          <p:spPr>
-            <a:xfrm>
-              <a:off x="1177450" y="3763229"/>
-              <a:ext cx="6173152" cy="95178"/>
-            </a:xfrm>
-            <a:custGeom>
-              <a:avLst/>
-              <a:gdLst/>
-              <a:ahLst/>
-              <a:cxnLst/>
-              <a:rect l="l" t="t" r="r" b="b"/>
-              <a:pathLst>
-                <a:path w="6173152" h="95178" extrusionOk="0">
-                  <a:moveTo>
-                    <a:pt x="0" y="0"/>
-                  </a:moveTo>
-                  <a:cubicBezTo>
-                    <a:pt x="0" y="0"/>
-                    <a:pt x="129540" y="95178"/>
-                    <a:pt x="450533" y="95178"/>
-                  </a:cubicBezTo>
-                  <a:lnTo>
-                    <a:pt x="5817870" y="95178"/>
-                  </a:lnTo>
-                  <a:cubicBezTo>
-                    <a:pt x="5948363" y="95178"/>
-                    <a:pt x="6173153" y="0"/>
-                    <a:pt x="6173153" y="0"/>
-                  </a:cubicBezTo>
-                  <a:lnTo>
-                    <a:pt x="0" y="0"/>
-                  </a:lnTo>
-                  <a:close/>
-                </a:path>
-              </a:pathLst>
-            </a:custGeom>
-            <a:solidFill>
-              <a:schemeClr val="dk1"/>
-            </a:solidFill>
-            <a:ln w="19050" cap="flat" cmpd="sng">
-              <a:solidFill>
-                <a:schemeClr val="accent1"/>
-              </a:solidFill>
-              <a:prstDash val="solid"/>
-              <a:round/>
-              <a:headEnd type="none" w="sm" len="sm"/>
-              <a:tailEnd type="none" w="sm" len="sm"/>
-            </a:ln>
-          </p:spPr>
-          <p:txBody>
-            <a:bodyPr spcFirstLastPara="1" wrap="square" lIns="91425" tIns="45700" rIns="91425" bIns="45700" anchor="ctr" anchorCtr="0">
-              <a:noAutofit/>
-            </a:bodyPr>
-            <a:lstStyle/>
-            <a:p>
-              <a:pPr marL="0" marR="0" lvl="0" indent="0" algn="l" rtl="0">
-                <a:spcBef>
-                  <a:spcPts val="0"/>
-                </a:spcBef>
-                <a:spcAft>
-                  <a:spcPts val="0"/>
-                </a:spcAft>
-                <a:buNone/>
-              </a:pPr>
-              <a:endParaRPr sz="1800">
-                <a:solidFill>
-                  <a:srgbClr val="000000"/>
-                </a:solidFill>
-                <a:latin typeface="Calibri"/>
-                <a:ea typeface="Calibri"/>
-                <a:cs typeface="Calibri"/>
-                <a:sym typeface="Calibri"/>
-              </a:endParaRPr>
-            </a:p>
-          </p:txBody>
-        </p:sp>
-        <p:sp>
-          <p:nvSpPr>
-            <p:cNvPr id="323" name="Google Shape;323;p33"/>
-            <p:cNvSpPr/>
-            <p:nvPr/>
-          </p:nvSpPr>
-          <p:spPr>
-            <a:xfrm>
-              <a:off x="1177450" y="3687086"/>
-              <a:ext cx="6172200" cy="76142"/>
-            </a:xfrm>
-            <a:custGeom>
-              <a:avLst/>
-              <a:gdLst/>
-              <a:ahLst/>
-              <a:cxnLst/>
-              <a:rect l="l" t="t" r="r" b="b"/>
-              <a:pathLst>
-                <a:path w="6172200" h="76142" extrusionOk="0">
-                  <a:moveTo>
-                    <a:pt x="0" y="76143"/>
-                  </a:moveTo>
-                  <a:lnTo>
-                    <a:pt x="6172200" y="76143"/>
-                  </a:lnTo>
-                  <a:lnTo>
-                    <a:pt x="6172200" y="0"/>
-                  </a:lnTo>
-                  <a:lnTo>
-                    <a:pt x="0" y="0"/>
-                  </a:lnTo>
-                  <a:close/>
-                </a:path>
-              </a:pathLst>
-            </a:custGeom>
-            <a:solidFill>
-              <a:schemeClr val="dk1"/>
-            </a:solidFill>
-            <a:ln w="19050" cap="flat" cmpd="sng">
-              <a:solidFill>
-                <a:schemeClr val="accent1"/>
-              </a:solidFill>
-              <a:prstDash val="solid"/>
-              <a:round/>
-              <a:headEnd type="none" w="sm" len="sm"/>
-              <a:tailEnd type="none" w="sm" len="sm"/>
-            </a:ln>
-          </p:spPr>
-          <p:txBody>
-            <a:bodyPr spcFirstLastPara="1" wrap="square" lIns="91425" tIns="45700" rIns="91425" bIns="45700" anchor="ctr" anchorCtr="0">
-              <a:noAutofit/>
-            </a:bodyPr>
-            <a:lstStyle/>
-            <a:p>
-              <a:pPr marL="0" marR="0" lvl="0" indent="0" algn="l" rtl="0">
-                <a:spcBef>
-                  <a:spcPts val="0"/>
-                </a:spcBef>
-                <a:spcAft>
-                  <a:spcPts val="0"/>
-                </a:spcAft>
-                <a:buNone/>
-              </a:pPr>
-              <a:endParaRPr sz="1800">
-                <a:solidFill>
-                  <a:srgbClr val="000000"/>
-                </a:solidFill>
-                <a:latin typeface="Calibri"/>
-                <a:ea typeface="Calibri"/>
-                <a:cs typeface="Calibri"/>
-                <a:sym typeface="Calibri"/>
-              </a:endParaRPr>
-            </a:p>
-          </p:txBody>
-        </p:sp>
-        <p:sp>
-          <p:nvSpPr>
-            <p:cNvPr id="324" name="Google Shape;324;p33"/>
-            <p:cNvSpPr/>
-            <p:nvPr/>
-          </p:nvSpPr>
-          <p:spPr>
-            <a:xfrm>
-              <a:off x="3806350" y="3687086"/>
-              <a:ext cx="903922" cy="47589"/>
-            </a:xfrm>
-            <a:custGeom>
-              <a:avLst/>
-              <a:gdLst/>
-              <a:ahLst/>
-              <a:cxnLst/>
-              <a:rect l="l" t="t" r="r" b="b"/>
-              <a:pathLst>
-                <a:path w="903922" h="47589" extrusionOk="0">
-                  <a:moveTo>
-                    <a:pt x="0" y="0"/>
-                  </a:moveTo>
-                  <a:cubicBezTo>
-                    <a:pt x="0" y="0"/>
-                    <a:pt x="26670" y="47589"/>
-                    <a:pt x="53340" y="47589"/>
-                  </a:cubicBezTo>
-                  <a:lnTo>
-                    <a:pt x="850582" y="47589"/>
-                  </a:lnTo>
-                  <a:cubicBezTo>
-                    <a:pt x="877253" y="47589"/>
-                    <a:pt x="903922" y="0"/>
-                    <a:pt x="903922" y="0"/>
-                  </a:cubicBezTo>
-                  <a:lnTo>
-                    <a:pt x="0" y="0"/>
-                  </a:lnTo>
-                  <a:close/>
-                </a:path>
-              </a:pathLst>
-            </a:custGeom>
-            <a:solidFill>
-              <a:schemeClr val="dk1"/>
-            </a:solidFill>
-            <a:ln w="9525" cap="flat" cmpd="sng">
-              <a:solidFill>
-                <a:schemeClr val="accent1"/>
-              </a:solidFill>
-              <a:prstDash val="solid"/>
-              <a:round/>
-              <a:headEnd type="none" w="sm" len="sm"/>
-              <a:tailEnd type="none" w="sm" len="sm"/>
-            </a:ln>
-          </p:spPr>
-          <p:txBody>
-            <a:bodyPr spcFirstLastPara="1" wrap="square" lIns="91425" tIns="45700" rIns="91425" bIns="45700" anchor="ctr" anchorCtr="0">
-              <a:noAutofit/>
-            </a:bodyPr>
-            <a:lstStyle/>
-            <a:p>
-              <a:pPr marL="0" marR="0" lvl="0" indent="0" algn="l" rtl="0">
-                <a:spcBef>
-                  <a:spcPts val="0"/>
-                </a:spcBef>
-                <a:spcAft>
-                  <a:spcPts val="0"/>
-                </a:spcAft>
-                <a:buNone/>
-              </a:pPr>
-              <a:endParaRPr sz="1800">
-                <a:solidFill>
-                  <a:srgbClr val="000000"/>
-                </a:solidFill>
-                <a:latin typeface="Calibri"/>
-                <a:ea typeface="Calibri"/>
-                <a:cs typeface="Calibri"/>
-                <a:sym typeface="Calibri"/>
-              </a:endParaRPr>
-            </a:p>
-          </p:txBody>
-        </p:sp>
-      </p:grpSp>
-      <p:sp>
-        <p:nvSpPr>
-          <p:cNvPr id="326" name="Google Shape;326;p33"/>
-          <p:cNvSpPr txBox="1">
-            <a:spLocks noGrp="1"/>
-          </p:cNvSpPr>
-          <p:nvPr>
-            <p:ph type="body" idx="4294967295"/>
-          </p:nvPr>
-        </p:nvSpPr>
-        <p:spPr>
-          <a:xfrm>
-            <a:off x="855300" y="373575"/>
-            <a:ext cx="2590500" cy="4396200"/>
-          </a:xfrm>
-          <a:prstGeom prst="rect">
-            <a:avLst/>
-          </a:prstGeom>
-        </p:spPr>
-        <p:txBody>
-          <a:bodyPr spcFirstLastPara="1" wrap="square" lIns="0" tIns="0" rIns="0" bIns="0" anchor="ctr" anchorCtr="0">
-            <a:noAutofit/>
-          </a:bodyPr>
-          <a:lstStyle/>
-          <a:p>
-            <a:pPr marL="0" lvl="0" indent="0" algn="l" rtl="0">
-              <a:spcBef>
-                <a:spcPts val="0"/>
-              </a:spcBef>
-              <a:spcAft>
-                <a:spcPts val="0"/>
-              </a:spcAft>
-              <a:buNone/>
-            </a:pPr>
-            <a:r>
-              <a:rPr lang="en" sz="2400" dirty="0">
-                <a:solidFill>
-                  <a:schemeClr val="accent1"/>
-                </a:solidFill>
-                <a:latin typeface="Lexend Deca"/>
-                <a:ea typeface="Lexend Deca"/>
-                <a:cs typeface="Lexend Deca"/>
-                <a:sym typeface="Lexend Deca"/>
-              </a:rPr>
-              <a:t>Desktop project</a:t>
-            </a:r>
-            <a:endParaRPr sz="2400" dirty="0">
-              <a:solidFill>
-                <a:schemeClr val="accent1"/>
-              </a:solidFill>
-              <a:latin typeface="Lexend Deca"/>
-              <a:ea typeface="Lexend Deca"/>
-              <a:cs typeface="Lexend Deca"/>
-              <a:sym typeface="Lexend Deca"/>
-            </a:endParaRPr>
-          </a:p>
-          <a:p>
-            <a:pPr marL="0" lvl="0" indent="0" algn="l" rtl="0">
-              <a:spcBef>
-                <a:spcPts val="800"/>
-              </a:spcBef>
-              <a:spcAft>
-                <a:spcPts val="800"/>
-              </a:spcAft>
-              <a:buNone/>
-            </a:pPr>
-            <a:r>
-              <a:rPr lang="en" sz="1800" dirty="0">
-                <a:solidFill>
-                  <a:schemeClr val="lt1"/>
-                </a:solidFill>
-              </a:rPr>
-              <a:t>Show and explain your web, app or software projects using these gadget templates.</a:t>
-            </a:r>
-            <a:endParaRPr sz="1800" dirty="0">
-              <a:solidFill>
-                <a:schemeClr val="lt1"/>
-              </a:solidFill>
-            </a:endParaRPr>
-          </a:p>
-        </p:txBody>
-      </p:sp>
-      <p:pic>
-        <p:nvPicPr>
-          <p:cNvPr id="2" name="Picture 1"/>
-          <p:cNvPicPr>
-            <a:picLocks noChangeAspect="1"/>
-          </p:cNvPicPr>
-          <p:nvPr/>
-        </p:nvPicPr>
-        <p:blipFill>
-          <a:blip r:embed="rId3">
-            <a:extLst>
-              <a:ext uri="{28A0092B-C50C-407E-A947-70E740481C1C}">
-                <a14:useLocalDpi xmlns:a14="http://schemas.microsoft.com/office/drawing/2010/main" val="0"/>
-              </a:ext>
-            </a:extLst>
-          </a:blip>
-          <a:stretch>
-            <a:fillRect/>
-          </a:stretch>
-        </p:blipFill>
-        <p:spPr>
-          <a:xfrm>
-            <a:off x="4237712" y="1432035"/>
-            <a:ext cx="3485377" cy="2046889"/>
-          </a:xfrm>
-          <a:prstGeom prst="rect">
-            <a:avLst/>
-          </a:prstGeom>
-        </p:spPr>
-      </p:pic>
-    </p:spTree>
-  </p:cSld>
-  <p:clrMapOvr>
-    <a:masterClrMapping/>
-  </p:clrMapOvr>
-  <p:timing>
-    <p:tnLst>
-      <p:par>
-        <p:cTn id="1" dur="indefinite" restart="never" nodeType="tmRoot"/>
-      </p:par>
-    </p:tnLst>
-  </p:timing>
 </p:sld>
 </file>
 
@@ -5315,14 +4582,11 @@
           <a:lstStyle/>
           <a:p>
             <a:r>
-              <a:rPr lang="en-US" sz="3200" dirty="0" smtClean="0">
+              <a:rPr lang="en-US" sz="3200" dirty="0">
                 <a:latin typeface="Lexend Deca" panose="020B0604020202020204" charset="0"/>
               </a:rPr>
               <a:t>SHORT DESCRIPTION</a:t>
             </a:r>
-            <a:endParaRPr lang="en-US" sz="3200" dirty="0">
-              <a:latin typeface="Lexend Deca" panose="020B0604020202020204" charset="0"/>
-            </a:endParaRPr>
           </a:p>
         </p:txBody>
       </p:sp>
@@ -5349,210 +4613,16 @@
           <a:lstStyle/>
           <a:p>
             <a:r>
-              <a:rPr lang="en-US" dirty="0" smtClean="0">
+              <a:rPr lang="en-US" dirty="0">
                 <a:latin typeface="Nunito Sans" panose="020B0604020202020204" charset="0"/>
               </a:rPr>
               <a:t>Web </a:t>
             </a:r>
             <a:r>
-              <a:rPr lang="en-US" dirty="0" err="1" smtClean="0">
+              <a:rPr lang="en-US" dirty="0" err="1">
                 <a:latin typeface="Nunito Sans" panose="020B0604020202020204" charset="0"/>
               </a:rPr>
               <a:t>ini</a:t>
-            </a:r>
-            <a:r>
-              <a:rPr lang="en-US" dirty="0" smtClean="0">
-                <a:latin typeface="Nunito Sans" panose="020B0604020202020204" charset="0"/>
-              </a:rPr>
-              <a:t> </a:t>
-            </a:r>
-            <a:r>
-              <a:rPr lang="en-US" dirty="0" err="1" smtClean="0">
-                <a:latin typeface="Nunito Sans" panose="020B0604020202020204" charset="0"/>
-              </a:rPr>
-              <a:t>dibuat</a:t>
-            </a:r>
-            <a:r>
-              <a:rPr lang="en-US" dirty="0" smtClean="0">
-                <a:latin typeface="Nunito Sans" panose="020B0604020202020204" charset="0"/>
-              </a:rPr>
-              <a:t> </a:t>
-            </a:r>
-            <a:r>
-              <a:rPr lang="en-US" dirty="0" err="1" smtClean="0">
-                <a:latin typeface="Nunito Sans" panose="020B0604020202020204" charset="0"/>
-              </a:rPr>
-              <a:t>untuk</a:t>
-            </a:r>
-            <a:r>
-              <a:rPr lang="en-US" dirty="0" smtClean="0">
-                <a:latin typeface="Nunito Sans" panose="020B0604020202020204" charset="0"/>
-              </a:rPr>
-              <a:t> </a:t>
-            </a:r>
-            <a:r>
-              <a:rPr lang="en-US" dirty="0" err="1" smtClean="0">
-                <a:latin typeface="Nunito Sans" panose="020B0604020202020204" charset="0"/>
-              </a:rPr>
-              <a:t>memudahkan</a:t>
-            </a:r>
-            <a:r>
-              <a:rPr lang="en-US" dirty="0" smtClean="0">
-                <a:latin typeface="Nunito Sans" panose="020B0604020202020204" charset="0"/>
-              </a:rPr>
-              <a:t> </a:t>
-            </a:r>
-            <a:r>
-              <a:rPr lang="en-US" dirty="0" err="1" smtClean="0">
-                <a:latin typeface="Nunito Sans" panose="020B0604020202020204" charset="0"/>
-              </a:rPr>
-              <a:t>pengelolaan</a:t>
-            </a:r>
-            <a:r>
-              <a:rPr lang="en-US" dirty="0" smtClean="0">
-                <a:latin typeface="Nunito Sans" panose="020B0604020202020204" charset="0"/>
-              </a:rPr>
-              <a:t> </a:t>
-            </a:r>
-            <a:r>
-              <a:rPr lang="en-US" dirty="0" err="1" smtClean="0">
-                <a:latin typeface="Nunito Sans" panose="020B0604020202020204" charset="0"/>
-              </a:rPr>
-              <a:t>barang</a:t>
-            </a:r>
-            <a:r>
-              <a:rPr lang="en-US" dirty="0" smtClean="0">
-                <a:latin typeface="Nunito Sans" panose="020B0604020202020204" charset="0"/>
-              </a:rPr>
-              <a:t> </a:t>
-            </a:r>
-            <a:r>
-              <a:rPr lang="en-US" dirty="0" err="1" smtClean="0">
-                <a:latin typeface="Nunito Sans" panose="020B0604020202020204" charset="0"/>
-              </a:rPr>
-              <a:t>pada</a:t>
-            </a:r>
-            <a:r>
-              <a:rPr lang="en-US" dirty="0" smtClean="0">
-                <a:latin typeface="Nunito Sans" panose="020B0604020202020204" charset="0"/>
-              </a:rPr>
-              <a:t> </a:t>
-            </a:r>
-            <a:r>
-              <a:rPr lang="en-US" dirty="0" err="1" smtClean="0">
-                <a:latin typeface="Nunito Sans" panose="020B0604020202020204" charset="0"/>
-              </a:rPr>
-              <a:t>suatu</a:t>
-            </a:r>
-            <a:r>
-              <a:rPr lang="en-US" dirty="0" smtClean="0">
-                <a:latin typeface="Nunito Sans" panose="020B0604020202020204" charset="0"/>
-              </a:rPr>
-              <a:t> </a:t>
-            </a:r>
-            <a:r>
-              <a:rPr lang="en-US" dirty="0" err="1" smtClean="0">
-                <a:latin typeface="Nunito Sans" panose="020B0604020202020204" charset="0"/>
-              </a:rPr>
-              <a:t>ritel</a:t>
-            </a:r>
-            <a:r>
-              <a:rPr lang="en-US" dirty="0" smtClean="0">
-                <a:latin typeface="Nunito Sans" panose="020B0604020202020204" charset="0"/>
-              </a:rPr>
-              <a:t> / </a:t>
-            </a:r>
-            <a:r>
-              <a:rPr lang="en-US" dirty="0" err="1" smtClean="0">
-                <a:latin typeface="Nunito Sans" panose="020B0604020202020204" charset="0"/>
-              </a:rPr>
-              <a:t>usaha</a:t>
-            </a:r>
-            <a:r>
-              <a:rPr lang="en-US" dirty="0" smtClean="0">
-                <a:latin typeface="Nunito Sans" panose="020B0604020202020204" charset="0"/>
-              </a:rPr>
-              <a:t> micro</a:t>
-            </a:r>
-          </a:p>
-          <a:p>
-            <a:r>
-              <a:rPr lang="en-US" dirty="0">
-                <a:latin typeface="Nunito Sans" panose="020B0604020202020204" charset="0"/>
-              </a:rPr>
-              <a:t>y</a:t>
-            </a:r>
-            <a:r>
-              <a:rPr lang="en-US" dirty="0" smtClean="0">
-                <a:latin typeface="Nunito Sans" panose="020B0604020202020204" charset="0"/>
-              </a:rPr>
-              <a:t>ang </a:t>
-            </a:r>
-            <a:r>
-              <a:rPr lang="en-US" dirty="0" err="1" smtClean="0">
-                <a:latin typeface="Nunito Sans" panose="020B0604020202020204" charset="0"/>
-              </a:rPr>
-              <a:t>ingin</a:t>
-            </a:r>
-            <a:r>
-              <a:rPr lang="en-US" dirty="0" smtClean="0">
-                <a:latin typeface="Nunito Sans" panose="020B0604020202020204" charset="0"/>
-              </a:rPr>
-              <a:t> </a:t>
-            </a:r>
-            <a:r>
-              <a:rPr lang="en-US" dirty="0" err="1" smtClean="0">
-                <a:latin typeface="Nunito Sans" panose="020B0604020202020204" charset="0"/>
-              </a:rPr>
-              <a:t>meningkatkan</a:t>
-            </a:r>
-            <a:r>
-              <a:rPr lang="en-US" dirty="0" smtClean="0">
-                <a:latin typeface="Nunito Sans" panose="020B0604020202020204" charset="0"/>
-              </a:rPr>
-              <a:t> </a:t>
-            </a:r>
-            <a:r>
-              <a:rPr lang="en-US" dirty="0" err="1" smtClean="0">
-                <a:latin typeface="Nunito Sans" panose="020B0604020202020204" charset="0"/>
-              </a:rPr>
-              <a:t>kemudahan</a:t>
-            </a:r>
-            <a:r>
-              <a:rPr lang="en-US" dirty="0" smtClean="0">
-                <a:latin typeface="Nunito Sans" panose="020B0604020202020204" charset="0"/>
-              </a:rPr>
-              <a:t> </a:t>
-            </a:r>
-            <a:r>
-              <a:rPr lang="en-US" dirty="0" err="1" smtClean="0">
-                <a:latin typeface="Nunito Sans" panose="020B0604020202020204" charset="0"/>
-              </a:rPr>
-              <a:t>dalam</a:t>
-            </a:r>
-            <a:r>
-              <a:rPr lang="en-US" dirty="0" smtClean="0">
-                <a:latin typeface="Nunito Sans" panose="020B0604020202020204" charset="0"/>
-              </a:rPr>
-              <a:t> </a:t>
-            </a:r>
-            <a:r>
-              <a:rPr lang="en-US" dirty="0" err="1" smtClean="0">
-                <a:latin typeface="Nunito Sans" panose="020B0604020202020204" charset="0"/>
-              </a:rPr>
-              <a:t>mengelola</a:t>
-            </a:r>
-            <a:r>
-              <a:rPr lang="en-US" dirty="0" smtClean="0">
-                <a:latin typeface="Nunito Sans" panose="020B0604020202020204" charset="0"/>
-              </a:rPr>
-              <a:t> </a:t>
-            </a:r>
-            <a:r>
-              <a:rPr lang="en-US" dirty="0" err="1" smtClean="0">
-                <a:latin typeface="Nunito Sans" panose="020B0604020202020204" charset="0"/>
-              </a:rPr>
-              <a:t>stok</a:t>
             </a:r>
             <a:r>
               <a:rPr lang="en-US" dirty="0">
@@ -5561,50 +4631,229 @@
               <a:t> </a:t>
             </a:r>
             <a:r>
-              <a:rPr lang="en-US" dirty="0" smtClean="0">
+              <a:rPr lang="en-US" dirty="0" err="1">
                 <a:latin typeface="Nunito Sans" panose="020B0604020202020204" charset="0"/>
               </a:rPr>
-              <a:t>&amp; </a:t>
-            </a:r>
-            <a:r>
-              <a:rPr lang="en-US" dirty="0" err="1" smtClean="0">
+              <a:t>dibuat</a:t>
+            </a:r>
+            <a:r>
+              <a:rPr lang="en-US" dirty="0">
+                <a:latin typeface="Nunito Sans" panose="020B0604020202020204" charset="0"/>
+              </a:rPr>
+              <a:t> </a:t>
+            </a:r>
+            <a:r>
+              <a:rPr lang="en-US" dirty="0" err="1">
+                <a:latin typeface="Nunito Sans" panose="020B0604020202020204" charset="0"/>
+              </a:rPr>
+              <a:t>untuk</a:t>
+            </a:r>
+            <a:r>
+              <a:rPr lang="en-US" dirty="0">
+                <a:latin typeface="Nunito Sans" panose="020B0604020202020204" charset="0"/>
+              </a:rPr>
+              <a:t> </a:t>
+            </a:r>
+            <a:r>
+              <a:rPr lang="en-US" dirty="0" err="1">
+                <a:latin typeface="Nunito Sans" panose="020B0604020202020204" charset="0"/>
+              </a:rPr>
+              <a:t>memudahkan</a:t>
+            </a:r>
+            <a:r>
+              <a:rPr lang="en-US" dirty="0">
+                <a:latin typeface="Nunito Sans" panose="020B0604020202020204" charset="0"/>
+              </a:rPr>
+              <a:t> </a:t>
+            </a:r>
+            <a:r>
+              <a:rPr lang="en-US" dirty="0" err="1">
+                <a:latin typeface="Nunito Sans" panose="020B0604020202020204" charset="0"/>
+              </a:rPr>
+              <a:t>pengelolaan</a:t>
+            </a:r>
+            <a:r>
+              <a:rPr lang="en-US" dirty="0">
+                <a:latin typeface="Nunito Sans" panose="020B0604020202020204" charset="0"/>
+              </a:rPr>
+              <a:t> </a:t>
+            </a:r>
+            <a:r>
+              <a:rPr lang="en-US" dirty="0" err="1">
+                <a:latin typeface="Nunito Sans" panose="020B0604020202020204" charset="0"/>
+              </a:rPr>
+              <a:t>barang</a:t>
+            </a:r>
+            <a:r>
+              <a:rPr lang="en-US" dirty="0">
+                <a:latin typeface="Nunito Sans" panose="020B0604020202020204" charset="0"/>
+              </a:rPr>
+              <a:t> </a:t>
+            </a:r>
+            <a:r>
+              <a:rPr lang="en-US" dirty="0" err="1">
+                <a:latin typeface="Nunito Sans" panose="020B0604020202020204" charset="0"/>
+              </a:rPr>
+              <a:t>pada</a:t>
+            </a:r>
+            <a:r>
+              <a:rPr lang="en-US" dirty="0">
+                <a:latin typeface="Nunito Sans" panose="020B0604020202020204" charset="0"/>
+              </a:rPr>
+              <a:t> </a:t>
+            </a:r>
+            <a:r>
+              <a:rPr lang="en-US" dirty="0" err="1">
+                <a:latin typeface="Nunito Sans" panose="020B0604020202020204" charset="0"/>
+              </a:rPr>
+              <a:t>suatu</a:t>
+            </a:r>
+            <a:r>
+              <a:rPr lang="en-US" dirty="0">
+                <a:latin typeface="Nunito Sans" panose="020B0604020202020204" charset="0"/>
+              </a:rPr>
+              <a:t> </a:t>
+            </a:r>
+            <a:r>
+              <a:rPr lang="en-US" dirty="0" err="1">
+                <a:latin typeface="Nunito Sans" panose="020B0604020202020204" charset="0"/>
+              </a:rPr>
+              <a:t>ritel</a:t>
+            </a:r>
+            <a:r>
+              <a:rPr lang="en-US" dirty="0">
+                <a:latin typeface="Nunito Sans" panose="020B0604020202020204" charset="0"/>
+              </a:rPr>
+              <a:t> / </a:t>
+            </a:r>
+            <a:r>
+              <a:rPr lang="en-US" dirty="0" err="1">
+                <a:latin typeface="Nunito Sans" panose="020B0604020202020204" charset="0"/>
+              </a:rPr>
+              <a:t>usaha</a:t>
+            </a:r>
+            <a:r>
+              <a:rPr lang="en-US" dirty="0">
+                <a:latin typeface="Nunito Sans" panose="020B0604020202020204" charset="0"/>
+              </a:rPr>
+              <a:t> micro</a:t>
+            </a:r>
+          </a:p>
+          <a:p>
+            <a:r>
+              <a:rPr lang="en-US" dirty="0">
+                <a:latin typeface="Nunito Sans" panose="020B0604020202020204" charset="0"/>
+              </a:rPr>
+              <a:t>yang </a:t>
+            </a:r>
+            <a:r>
+              <a:rPr lang="en-US" dirty="0" err="1">
+                <a:latin typeface="Nunito Sans" panose="020B0604020202020204" charset="0"/>
+              </a:rPr>
+              <a:t>ingin</a:t>
+            </a:r>
+            <a:r>
+              <a:rPr lang="en-US" dirty="0">
+                <a:latin typeface="Nunito Sans" panose="020B0604020202020204" charset="0"/>
+              </a:rPr>
+              <a:t> </a:t>
+            </a:r>
+            <a:r>
+              <a:rPr lang="en-US" dirty="0" err="1">
+                <a:latin typeface="Nunito Sans" panose="020B0604020202020204" charset="0"/>
+              </a:rPr>
+              <a:t>meningkatkan</a:t>
+            </a:r>
+            <a:r>
+              <a:rPr lang="en-US" dirty="0">
+                <a:latin typeface="Nunito Sans" panose="020B0604020202020204" charset="0"/>
+              </a:rPr>
+              <a:t> </a:t>
+            </a:r>
+            <a:r>
+              <a:rPr lang="en-US" dirty="0" err="1">
+                <a:latin typeface="Nunito Sans" panose="020B0604020202020204" charset="0"/>
+              </a:rPr>
+              <a:t>kemudahan</a:t>
+            </a:r>
+            <a:r>
+              <a:rPr lang="en-US" dirty="0">
+                <a:latin typeface="Nunito Sans" panose="020B0604020202020204" charset="0"/>
+              </a:rPr>
+              <a:t> </a:t>
+            </a:r>
+            <a:r>
+              <a:rPr lang="en-US" dirty="0" err="1">
+                <a:latin typeface="Nunito Sans" panose="020B0604020202020204" charset="0"/>
+              </a:rPr>
+              <a:t>dalam</a:t>
+            </a:r>
+            <a:r>
+              <a:rPr lang="en-US" dirty="0">
+                <a:latin typeface="Nunito Sans" panose="020B0604020202020204" charset="0"/>
+              </a:rPr>
+              <a:t> </a:t>
+            </a:r>
+            <a:r>
+              <a:rPr lang="en-US" dirty="0" err="1">
+                <a:latin typeface="Nunito Sans" panose="020B0604020202020204" charset="0"/>
+              </a:rPr>
+              <a:t>mengelola</a:t>
+            </a:r>
+            <a:r>
+              <a:rPr lang="en-US" dirty="0">
+                <a:latin typeface="Nunito Sans" panose="020B0604020202020204" charset="0"/>
+              </a:rPr>
+              <a:t> </a:t>
+            </a:r>
+            <a:r>
+              <a:rPr lang="en-US" dirty="0" err="1">
+                <a:latin typeface="Nunito Sans" panose="020B0604020202020204" charset="0"/>
+              </a:rPr>
+              <a:t>stok</a:t>
+            </a:r>
+            <a:r>
+              <a:rPr lang="en-US" dirty="0">
+                <a:latin typeface="Nunito Sans" panose="020B0604020202020204" charset="0"/>
+              </a:rPr>
+              <a:t> &amp; </a:t>
+            </a:r>
+            <a:r>
+              <a:rPr lang="en-US" dirty="0" err="1">
                 <a:latin typeface="Nunito Sans" panose="020B0604020202020204" charset="0"/>
               </a:rPr>
               <a:t>harga</a:t>
             </a:r>
             <a:r>
-              <a:rPr lang="en-US" dirty="0" smtClean="0">
+              <a:rPr lang="en-US" dirty="0">
                 <a:latin typeface="Nunito Sans" panose="020B0604020202020204" charset="0"/>
               </a:rPr>
               <a:t> </a:t>
             </a:r>
             <a:r>
-              <a:rPr lang="en-US" dirty="0" err="1" smtClean="0">
+              <a:rPr lang="en-US" dirty="0" err="1">
                 <a:latin typeface="Nunito Sans" panose="020B0604020202020204" charset="0"/>
               </a:rPr>
               <a:t>barang</a:t>
             </a:r>
             <a:r>
-              <a:rPr lang="en-US" dirty="0" smtClean="0">
+              <a:rPr lang="en-US" dirty="0">
                 <a:latin typeface="Nunito Sans" panose="020B0604020202020204" charset="0"/>
               </a:rPr>
               <a:t> yang di </a:t>
             </a:r>
             <a:r>
-              <a:rPr lang="en-US" dirty="0" err="1" smtClean="0">
+              <a:rPr lang="en-US" dirty="0" err="1">
                 <a:latin typeface="Nunito Sans" panose="020B0604020202020204" charset="0"/>
               </a:rPr>
               <a:t>jual</a:t>
             </a:r>
             <a:r>
-              <a:rPr lang="en-US" dirty="0" smtClean="0">
+              <a:rPr lang="en-US" dirty="0">
                 <a:latin typeface="Nunito Sans" panose="020B0604020202020204" charset="0"/>
               </a:rPr>
               <a:t>.</a:t>
             </a:r>
-            <a:endParaRPr lang="en-US" dirty="0">
-              <a:latin typeface="Nunito Sans" panose="020B0604020202020204" charset="0"/>
-            </a:endParaRPr>
           </a:p>
         </p:txBody>
       </p:sp>
@@ -5631,150 +4880,150 @@
           <a:lstStyle/>
           <a:p>
             <a:r>
-              <a:rPr lang="en-US" dirty="0" smtClean="0">
+              <a:rPr lang="en-US" dirty="0">
                 <a:latin typeface="Nunito Sans" panose="020B0604020202020204" charset="0"/>
               </a:rPr>
               <a:t>Web </a:t>
             </a:r>
             <a:r>
-              <a:rPr lang="en-US" dirty="0" err="1" smtClean="0">
+              <a:rPr lang="en-US" dirty="0" err="1">
                 <a:latin typeface="Nunito Sans" panose="020B0604020202020204" charset="0"/>
               </a:rPr>
               <a:t>ini</a:t>
             </a:r>
             <a:r>
-              <a:rPr lang="en-US" dirty="0" smtClean="0">
+              <a:rPr lang="en-US" dirty="0">
                 <a:latin typeface="Nunito Sans" panose="020B0604020202020204" charset="0"/>
               </a:rPr>
               <a:t> </a:t>
             </a:r>
             <a:r>
-              <a:rPr lang="en-US" dirty="0" err="1" smtClean="0">
+              <a:rPr lang="en-US" dirty="0" err="1">
                 <a:latin typeface="Nunito Sans" panose="020B0604020202020204" charset="0"/>
               </a:rPr>
               <a:t>dapat</a:t>
             </a:r>
             <a:r>
-              <a:rPr lang="en-US" dirty="0" smtClean="0">
+              <a:rPr lang="en-US" dirty="0">
                 <a:latin typeface="Nunito Sans" panose="020B0604020202020204" charset="0"/>
               </a:rPr>
               <a:t> </a:t>
             </a:r>
             <a:r>
-              <a:rPr lang="en-US" dirty="0" err="1" smtClean="0">
+              <a:rPr lang="en-US" dirty="0" err="1">
                 <a:latin typeface="Nunito Sans" panose="020B0604020202020204" charset="0"/>
               </a:rPr>
               <a:t>dipakai</a:t>
             </a:r>
             <a:r>
-              <a:rPr lang="en-US" dirty="0" smtClean="0">
+              <a:rPr lang="en-US" dirty="0">
                 <a:latin typeface="Nunito Sans" panose="020B0604020202020204" charset="0"/>
               </a:rPr>
               <a:t> </a:t>
             </a:r>
             <a:r>
-              <a:rPr lang="en-US" dirty="0" err="1" smtClean="0">
+              <a:rPr lang="en-US" dirty="0" err="1">
                 <a:latin typeface="Nunito Sans" panose="020B0604020202020204" charset="0"/>
               </a:rPr>
               <a:t>oleh</a:t>
             </a:r>
             <a:r>
-              <a:rPr lang="en-US" dirty="0" smtClean="0">
+              <a:rPr lang="en-US" dirty="0">
                 <a:latin typeface="Nunito Sans" panose="020B0604020202020204" charset="0"/>
               </a:rPr>
               <a:t> </a:t>
             </a:r>
             <a:r>
-              <a:rPr lang="en-US" dirty="0" err="1" smtClean="0">
+              <a:rPr lang="en-US" dirty="0" err="1">
                 <a:latin typeface="Nunito Sans" panose="020B0604020202020204" charset="0"/>
               </a:rPr>
               <a:t>beragam</a:t>
             </a:r>
             <a:r>
-              <a:rPr lang="en-US" dirty="0" smtClean="0">
+              <a:rPr lang="en-US" dirty="0">
                 <a:latin typeface="Nunito Sans" panose="020B0604020202020204" charset="0"/>
               </a:rPr>
               <a:t> user (</a:t>
             </a:r>
             <a:r>
-              <a:rPr lang="en-US" dirty="0" err="1" smtClean="0">
+              <a:rPr lang="en-US" dirty="0" err="1">
                 <a:latin typeface="Nunito Sans" panose="020B0604020202020204" charset="0"/>
               </a:rPr>
               <a:t>tidak</a:t>
             </a:r>
             <a:r>
-              <a:rPr lang="en-US" dirty="0" smtClean="0">
+              <a:rPr lang="en-US" dirty="0">
                 <a:latin typeface="Nunito Sans" panose="020B0604020202020204" charset="0"/>
               </a:rPr>
               <a:t> </a:t>
             </a:r>
             <a:r>
-              <a:rPr lang="en-US" dirty="0" err="1" smtClean="0">
+              <a:rPr lang="en-US" dirty="0" err="1">
                 <a:latin typeface="Nunito Sans" panose="020B0604020202020204" charset="0"/>
               </a:rPr>
               <a:t>privasi</a:t>
             </a:r>
             <a:r>
-              <a:rPr lang="en-US" dirty="0" smtClean="0">
+              <a:rPr lang="en-US" dirty="0">
                 <a:latin typeface="Nunito Sans" panose="020B0604020202020204" charset="0"/>
               </a:rPr>
               <a:t>), </a:t>
             </a:r>
             <a:r>
-              <a:rPr lang="en-US" dirty="0" err="1" smtClean="0">
+              <a:rPr lang="en-US" dirty="0" err="1">
                 <a:latin typeface="Nunito Sans" panose="020B0604020202020204" charset="0"/>
               </a:rPr>
               <a:t>sehingga</a:t>
             </a:r>
             <a:r>
-              <a:rPr lang="en-US" dirty="0" smtClean="0">
+              <a:rPr lang="en-US" dirty="0">
                 <a:latin typeface="Nunito Sans" panose="020B0604020202020204" charset="0"/>
               </a:rPr>
               <a:t> </a:t>
             </a:r>
             <a:r>
-              <a:rPr lang="en-US" dirty="0" err="1" smtClean="0">
+              <a:rPr lang="en-US" dirty="0" err="1">
                 <a:latin typeface="Nunito Sans" panose="020B0604020202020204" charset="0"/>
               </a:rPr>
               <a:t>siapapun</a:t>
             </a:r>
             <a:r>
-              <a:rPr lang="en-US" dirty="0" smtClean="0">
+              <a:rPr lang="en-US" dirty="0">
                 <a:latin typeface="Nunito Sans" panose="020B0604020202020204" charset="0"/>
               </a:rPr>
               <a:t> </a:t>
             </a:r>
             <a:r>
-              <a:rPr lang="en-US" dirty="0" err="1" smtClean="0">
+              <a:rPr lang="en-US" dirty="0" err="1">
                 <a:latin typeface="Nunito Sans" panose="020B0604020202020204" charset="0"/>
               </a:rPr>
               <a:t>itu</a:t>
             </a:r>
             <a:r>
-              <a:rPr lang="en-US" dirty="0" smtClean="0">
+              <a:rPr lang="en-US" dirty="0">
                 <a:latin typeface="Nunito Sans" panose="020B0604020202020204" charset="0"/>
               </a:rPr>
               <a:t> </a:t>
             </a:r>
             <a:r>
-              <a:rPr lang="en-US" dirty="0" err="1" smtClean="0">
+              <a:rPr lang="en-US" dirty="0" err="1">
                 <a:latin typeface="Nunito Sans" panose="020B0604020202020204" charset="0"/>
               </a:rPr>
               <a:t>bisa</a:t>
             </a:r>
             <a:r>
-              <a:rPr lang="en-US" dirty="0" smtClean="0">
+              <a:rPr lang="en-US" dirty="0">
                 <a:latin typeface="Nunito Sans" panose="020B0604020202020204" charset="0"/>
               </a:rPr>
               <a:t> </a:t>
             </a:r>
             <a:r>
-              <a:rPr lang="en-US" dirty="0" err="1" smtClean="0">
+              <a:rPr lang="en-US" dirty="0" err="1">
                 <a:latin typeface="Nunito Sans" panose="020B0604020202020204" charset="0"/>
               </a:rPr>
               <a:t>menggunakannya</a:t>
             </a:r>
-            <a:endParaRPr lang="en-US" dirty="0" smtClean="0">
+            <a:endParaRPr lang="en-US" dirty="0">
               <a:latin typeface="Nunito Sans" panose="020B0604020202020204" charset="0"/>
             </a:endParaRPr>
           </a:p>
@@ -5940,7 +5189,7 @@
               <a:t> yang </a:t>
             </a:r>
             <a:r>
-              <a:rPr lang="en-US" dirty="0" err="1" smtClean="0">
+              <a:rPr lang="en-US" dirty="0" err="1">
                 <a:solidFill>
                   <a:schemeClr val="lt2"/>
                 </a:solidFill>
@@ -5948,20 +5197,12 @@
               <a:t>ada</a:t>
             </a:r>
             <a:r>
-              <a:rPr lang="en-US" dirty="0" smtClean="0">
+              <a:rPr lang="en-US" dirty="0">
                 <a:solidFill>
                   <a:schemeClr val="lt2"/>
                 </a:solidFill>
               </a:rPr>
-              <a:t> di web</a:t>
-            </a:r>
-            <a:r>
-              <a:rPr lang="en-US" dirty="0" smtClean="0">
-                <a:solidFill>
-                  <a:schemeClr val="lt2"/>
-                </a:solidFill>
-              </a:rPr>
-              <a:t> </a:t>
+              <a:t> di web </a:t>
             </a:r>
             <a:r>
               <a:rPr lang="en-US" dirty="0" err="1">
@@ -9515,13 +8756,6 @@
   <p:clrMapOvr>
     <a:masterClrMapping/>
   </p:clrMapOvr>
-  <p:timing>
-    <p:tnLst>
-      <p:par>
-        <p:cTn id="1" dur="indefinite" restart="never" nodeType="tmRoot"/>
-      </p:par>
-    </p:tnLst>
-  </p:timing>
 </p:sld>
 </file>
 
@@ -9745,19 +8979,7 @@
             </a:r>
             <a:r>
               <a:rPr lang="en-US" dirty="0"/>
-              <a:t> component </a:t>
-            </a:r>
-            <a:r>
-              <a:rPr lang="en-US" dirty="0" smtClean="0"/>
-              <a:t>web</a:t>
-            </a:r>
-            <a:r>
-              <a:rPr lang="en-US" dirty="0" smtClean="0"/>
-              <a:t>, </a:t>
-            </a:r>
-            <a:r>
-              <a:rPr lang="en-US" dirty="0"/>
-              <a:t>data </a:t>
+              <a:t> component web, data </a:t>
             </a:r>
             <a:r>
               <a:rPr lang="en-US" dirty="0" err="1"/>
@@ -9776,11 +8998,11 @@
               <a:t> </a:t>
             </a:r>
             <a:r>
-              <a:rPr lang="en-US" dirty="0" err="1" smtClean="0"/>
+              <a:rPr lang="en-US" dirty="0" err="1"/>
               <a:t>diperbaharui</a:t>
             </a:r>
             <a:r>
-              <a:rPr lang="en-US" dirty="0" smtClean="0"/>
+              <a:rPr lang="en-US" dirty="0"/>
               <a:t> </a:t>
             </a:r>
             <a:r>
@@ -9816,14 +9038,13 @@
               <a:t> yang </a:t>
             </a:r>
             <a:r>
-              <a:rPr lang="en-US" dirty="0" err="1" smtClean="0"/>
+              <a:rPr lang="en-US" dirty="0" err="1"/>
               <a:t>tersimpan</a:t>
             </a:r>
             <a:r>
-              <a:rPr lang="en-US" dirty="0" smtClean="0"/>
+              <a:rPr lang="en-US" dirty="0"/>
               <a:t> di database</a:t>
             </a:r>
-            <a:endParaRPr lang="en-US" dirty="0"/>
           </a:p>
           <a:p>
             <a:pPr marL="285750" indent="-285750"/>
@@ -9921,13 +9142,6 @@
   <p:clrMapOvr>
     <a:masterClrMapping/>
   </p:clrMapOvr>
-  <p:timing>
-    <p:tnLst>
-      <p:par>
-        <p:cTn id="1" dur="indefinite" restart="never" nodeType="tmRoot"/>
-      </p:par>
-    </p:tnLst>
-  </p:timing>
 </p:sld>
 </file>
 
@@ -9984,15 +9198,7 @@
             </a:pPr>
             <a:r>
               <a:rPr lang="en" dirty="0"/>
-              <a:t>Integrasi </a:t>
-            </a:r>
-            <a:r>
-              <a:rPr lang="en" dirty="0" smtClean="0"/>
-              <a:t>3 </a:t>
-            </a:r>
-            <a:r>
-              <a:rPr lang="en" dirty="0"/>
-              <a:t>Halaman</a:t>
+              <a:t>Integrasi 3 Halaman</a:t>
             </a:r>
             <a:endParaRPr dirty="0"/>
           </a:p>
@@ -10033,7 +9239,7 @@
               <a:buNone/>
             </a:pPr>
             <a:r>
-              <a:rPr lang="en" b="1" dirty="0" smtClean="0"/>
+              <a:rPr lang="en" b="1" dirty="0"/>
               <a:t>Halaman Utama</a:t>
             </a:r>
             <a:endParaRPr b="1" dirty="0"/>
@@ -10049,18 +9255,9 @@
               <a:buNone/>
             </a:pPr>
             <a:r>
-              <a:rPr lang="en" dirty="0" smtClean="0"/>
-              <a:t>Menampilkan seluruh</a:t>
-            </a:r>
-            <a:r>
               <a:rPr lang="en" dirty="0"/>
-              <a:t> </a:t>
-            </a:r>
-            <a:r>
-              <a:rPr lang="en" dirty="0" smtClean="0"/>
-              <a:t>daftar barang, tetapi tidak semua data yang ditampilkan, hanya gambar, harga jual, stok, nama dan tanggal expired (jika bukan makanan)</a:t>
-            </a:r>
-            <a:endParaRPr lang="en" dirty="0" smtClean="0"/>
+              <a:t>Menampilkan seluruh daftar barang, tetapi tidak semua data yang ditampilkan, hanya gambar, harga jual, stok, nama dan tanggal expired (jika bukan makanan)</a:t>
+            </a:r>
           </a:p>
         </p:txBody>
       </p:sp>
@@ -10099,10 +9296,9 @@
               <a:buNone/>
             </a:pPr>
             <a:r>
-              <a:rPr lang="en" b="1" dirty="0" smtClean="0"/>
+              <a:rPr lang="en" b="1" dirty="0"/>
               <a:t>Tambah Barang</a:t>
             </a:r>
-            <a:endParaRPr lang="en" b="1" dirty="0"/>
           </a:p>
           <a:p>
             <a:pPr marL="0" lvl="0" indent="0" algn="l" rtl="0">
@@ -10115,7 +9311,7 @@
               <a:buNone/>
             </a:pPr>
             <a:r>
-              <a:rPr lang="en" dirty="0" smtClean="0"/>
+              <a:rPr lang="en" dirty="0"/>
               <a:t>Menambah barang ke daftar barang dengan mengisi beberapa bagian form</a:t>
             </a:r>
             <a:endParaRPr dirty="0"/>
@@ -10157,23 +9353,23 @@
               <a:buNone/>
             </a:pPr>
             <a:r>
-              <a:rPr lang="en-US" b="1" dirty="0" err="1" smtClean="0"/>
+              <a:rPr lang="en-US" b="1" dirty="0" err="1"/>
               <a:t>Ubah</a:t>
             </a:r>
             <a:r>
-              <a:rPr lang="en-US" b="1" dirty="0" smtClean="0"/>
+              <a:rPr lang="en-US" b="1" dirty="0"/>
               <a:t> / </a:t>
             </a:r>
             <a:r>
-              <a:rPr lang="en-US" b="1" dirty="0" err="1" smtClean="0"/>
+              <a:rPr lang="en-US" b="1" dirty="0" err="1"/>
               <a:t>Hapus</a:t>
             </a:r>
             <a:r>
-              <a:rPr lang="en-US" b="1" dirty="0" smtClean="0"/>
+              <a:rPr lang="en-US" b="1" dirty="0"/>
               <a:t> </a:t>
             </a:r>
             <a:r>
-              <a:rPr lang="en-US" b="1" dirty="0" err="1" smtClean="0"/>
+              <a:rPr lang="en-US" b="1" dirty="0" err="1"/>
               <a:t>Barang</a:t>
             </a:r>
             <a:endParaRPr b="1" dirty="0"/>
@@ -10189,7 +9385,7 @@
               <a:buNone/>
             </a:pPr>
             <a:r>
-              <a:rPr lang="en" dirty="0" smtClean="0"/>
+              <a:rPr lang="en" dirty="0"/>
               <a:t>Menampilkan data barang secara detail (diakses dengan mengklik nama barang di halaman utama), dan menghapus barang</a:t>
             </a:r>
             <a:endParaRPr dirty="0"/>
@@ -10252,13 +9448,6 @@
   <p:clrMapOvr>
     <a:masterClrMapping/>
   </p:clrMapOvr>
-  <p:timing>
-    <p:tnLst>
-      <p:par>
-        <p:cTn id="1" dur="indefinite" restart="never" nodeType="tmRoot"/>
-      </p:par>
-    </p:tnLst>
-  </p:timing>
 </p:sld>
 </file>
 
@@ -10381,13 +9570,8 @@
             </a:r>
             <a:r>
               <a:rPr lang="en-US" dirty="0"/>
-              <a:t> </a:t>
-            </a:r>
-            <a:r>
-              <a:rPr lang="en-US" dirty="0" smtClean="0"/>
-              <a:t>data</a:t>
-            </a:r>
-            <a:endParaRPr lang="en-US" dirty="0"/>
+              <a:t> data</a:t>
+            </a:r>
           </a:p>
           <a:p>
             <a:r>
@@ -10431,7 +9615,7 @@
               <a:t> </a:t>
             </a:r>
             <a:r>
-              <a:rPr lang="en-US" dirty="0" err="1" smtClean="0"/>
+              <a:rPr lang="en-US" dirty="0" err="1"/>
               <a:t>mysql</a:t>
             </a:r>
             <a:endParaRPr lang="en-US" dirty="0"/>
@@ -10495,13 +9679,6 @@
   <p:clrMapOvr>
     <a:masterClrMapping/>
   </p:clrMapOvr>
-  <p:timing>
-    <p:tnLst>
-      <p:par>
-        <p:cTn id="1" dur="indefinite" restart="never" nodeType="tmRoot"/>
-      </p:par>
-    </p:tnLst>
-  </p:timing>
 </p:sld>
 </file>
 
@@ -10620,16 +9797,12 @@
           <a:lstStyle/>
           <a:p>
             <a:r>
-              <a:rPr lang="en-US" dirty="0" err="1" smtClean="0"/>
+              <a:rPr lang="en-US" dirty="0" err="1"/>
               <a:t>Tatanan</a:t>
             </a:r>
             <a:r>
-              <a:rPr lang="en-US" dirty="0" smtClean="0"/>
-              <a:t> </a:t>
-            </a:r>
-            <a:r>
               <a:rPr lang="en-US" dirty="0"/>
-              <a:t>data </a:t>
+              <a:t> data </a:t>
             </a:r>
             <a:r>
               <a:rPr lang="en-US" dirty="0" err="1"/>
@@ -10728,13 +9901,6 @@
   <p:clrMapOvr>
     <a:masterClrMapping/>
   </p:clrMapOvr>
-  <p:timing>
-    <p:tnLst>
-      <p:par>
-        <p:cTn id="1" dur="indefinite" restart="never" nodeType="tmRoot"/>
-      </p:par>
-    </p:tnLst>
-  </p:timing>
 </p:sld>
 </file>
 
@@ -10790,7 +9956,7 @@
               <a:buNone/>
             </a:pPr>
             <a:r>
-              <a:rPr lang="en" dirty="0" smtClean="0"/>
+              <a:rPr lang="en" dirty="0"/>
               <a:t>USE CASE</a:t>
             </a:r>
             <a:endParaRPr dirty="0"/>
@@ -11098,15 +10264,15 @@
           </a:lstStyle>
           <a:p>
             <a:r>
-              <a:rPr lang="en-US" dirty="0" err="1" smtClean="0"/>
+              <a:rPr lang="en-US" dirty="0" err="1"/>
               <a:t>Penjelasannya</a:t>
             </a:r>
             <a:r>
-              <a:rPr lang="en-US" dirty="0" smtClean="0"/>
+              <a:rPr lang="en-US" dirty="0"/>
               <a:t> di </a:t>
             </a:r>
             <a:r>
-              <a:rPr lang="en-US" dirty="0" err="1" smtClean="0"/>
+              <a:rPr lang="en-US" dirty="0" err="1"/>
               <a:t>visio</a:t>
             </a:r>
             <a:endParaRPr lang="en-US" dirty="0"/>
@@ -11118,13 +10284,6 @@
   <p:clrMapOvr>
     <a:masterClrMapping/>
   </p:clrMapOvr>
-  <p:timing>
-    <p:tnLst>
-      <p:par>
-        <p:cTn id="1" dur="indefinite" restart="never" nodeType="tmRoot"/>
-      </p:par>
-    </p:tnLst>
-  </p:timing>
 </p:sld>
 </file>
 
@@ -11181,11 +10340,7 @@
             </a:pPr>
             <a:r>
               <a:rPr lang="en" dirty="0"/>
-              <a:t>Relasi Antar </a:t>
-            </a:r>
-            <a:r>
-              <a:rPr lang="en" dirty="0" smtClean="0"/>
-              <a:t>Tabel (ERD)</a:t>
+              <a:t>Relasi Antar Tabel (ERD)</a:t>
             </a:r>
             <a:endParaRPr dirty="0"/>
           </a:p>
@@ -11491,34 +10646,45 @@
             </a:lvl9pPr>
           </a:lstStyle>
           <a:p>
-            <a:r>
-              <a:rPr lang="en-US" dirty="0" err="1" smtClean="0"/>
-              <a:t>Penjelasannya</a:t>
-            </a:r>
-            <a:r>
-              <a:rPr lang="en-US" dirty="0" smtClean="0"/>
-              <a:t> di </a:t>
-            </a:r>
-            <a:r>
-              <a:rPr lang="en-US" dirty="0" smtClean="0"/>
-              <a:t>excel</a:t>
-            </a:r>
             <a:endParaRPr lang="en-US" dirty="0"/>
           </a:p>
         </p:txBody>
       </p:sp>
+      <p:pic>
+        <p:nvPicPr>
+          <p:cNvPr id="3" name="Picture 2">
+            <a:extLst>
+              <a:ext uri="{FF2B5EF4-FFF2-40B4-BE49-F238E27FC236}">
+                <a16:creationId xmlns:a16="http://schemas.microsoft.com/office/drawing/2014/main" id="{B16C3DF2-144E-ABA2-585D-79EB3F1DE93A}"/>
+              </a:ext>
+            </a:extLst>
+          </p:cNvPr>
+          <p:cNvPicPr>
+            <a:picLocks noChangeAspect="1"/>
+          </p:cNvPicPr>
+          <p:nvPr/>
+        </p:nvPicPr>
+        <p:blipFill>
+          <a:blip r:embed="rId3"/>
+          <a:stretch>
+            <a:fillRect/>
+          </a:stretch>
+        </p:blipFill>
+        <p:spPr>
+          <a:xfrm>
+            <a:off x="1007700" y="1852613"/>
+            <a:ext cx="4275500" cy="2686376"/>
+          </a:xfrm>
+          <a:prstGeom prst="rect">
+            <a:avLst/>
+          </a:prstGeom>
+        </p:spPr>
+      </p:pic>
     </p:spTree>
   </p:cSld>
   <p:clrMapOvr>
     <a:masterClrMapping/>
   </p:clrMapOvr>
-  <p:timing>
-    <p:tnLst>
-      <p:par>
-        <p:cTn id="1" dur="indefinite" restart="never" nodeType="tmRoot"/>
-      </p:par>
-    </p:tnLst>
-  </p:timing>
 </p:sld>
 </file>
 
